--- a/E-Commerce Site.pptx
+++ b/E-Commerce Site.pptx
@@ -104,6 +104,11 @@
       </a:defRPr>
     </a:lvl9pPr>
   </p:defaultTextStyle>
+  <p:extLst>
+    <p:ext uri="{EFAFB233-063F-42B5-8137-9DF3F51BA10A}">
+      <p15:sldGuideLst xmlns:p15="http://schemas.microsoft.com/office/powerpoint/2012/main"/>
+    </p:ext>
+  </p:extLst>
 </p:presentation>
 </file>
 
@@ -254,7 +259,7 @@
           <a:p>
             <a:fld id="{227C6996-5933-4EC2-8EF0-22EDBC5FBC60}" type="datetimeFigureOut">
               <a:rPr lang="en-US" smtClean="0"/>
-              <a:t>05-Jan-22</a:t>
+              <a:t>10-Sep-22</a:t>
             </a:fld>
             <a:endParaRPr lang="en-US"/>
           </a:p>
@@ -452,7 +457,7 @@
           <a:p>
             <a:fld id="{227C6996-5933-4EC2-8EF0-22EDBC5FBC60}" type="datetimeFigureOut">
               <a:rPr lang="en-US" smtClean="0"/>
-              <a:t>05-Jan-22</a:t>
+              <a:t>10-Sep-22</a:t>
             </a:fld>
             <a:endParaRPr lang="en-US"/>
           </a:p>
@@ -660,7 +665,7 @@
           <a:p>
             <a:fld id="{227C6996-5933-4EC2-8EF0-22EDBC5FBC60}" type="datetimeFigureOut">
               <a:rPr lang="en-US" smtClean="0"/>
-              <a:t>05-Jan-22</a:t>
+              <a:t>10-Sep-22</a:t>
             </a:fld>
             <a:endParaRPr lang="en-US"/>
           </a:p>
@@ -858,7 +863,7 @@
           <a:p>
             <a:fld id="{227C6996-5933-4EC2-8EF0-22EDBC5FBC60}" type="datetimeFigureOut">
               <a:rPr lang="en-US" smtClean="0"/>
-              <a:t>05-Jan-22</a:t>
+              <a:t>10-Sep-22</a:t>
             </a:fld>
             <a:endParaRPr lang="en-US"/>
           </a:p>
@@ -1133,7 +1138,7 @@
           <a:p>
             <a:fld id="{227C6996-5933-4EC2-8EF0-22EDBC5FBC60}" type="datetimeFigureOut">
               <a:rPr lang="en-US" smtClean="0"/>
-              <a:t>05-Jan-22</a:t>
+              <a:t>10-Sep-22</a:t>
             </a:fld>
             <a:endParaRPr lang="en-US"/>
           </a:p>
@@ -1398,7 +1403,7 @@
           <a:p>
             <a:fld id="{227C6996-5933-4EC2-8EF0-22EDBC5FBC60}" type="datetimeFigureOut">
               <a:rPr lang="en-US" smtClean="0"/>
-              <a:t>05-Jan-22</a:t>
+              <a:t>10-Sep-22</a:t>
             </a:fld>
             <a:endParaRPr lang="en-US"/>
           </a:p>
@@ -1810,7 +1815,7 @@
           <a:p>
             <a:fld id="{227C6996-5933-4EC2-8EF0-22EDBC5FBC60}" type="datetimeFigureOut">
               <a:rPr lang="en-US" smtClean="0"/>
-              <a:t>05-Jan-22</a:t>
+              <a:t>10-Sep-22</a:t>
             </a:fld>
             <a:endParaRPr lang="en-US"/>
           </a:p>
@@ -1951,7 +1956,7 @@
           <a:p>
             <a:fld id="{227C6996-5933-4EC2-8EF0-22EDBC5FBC60}" type="datetimeFigureOut">
               <a:rPr lang="en-US" smtClean="0"/>
-              <a:t>05-Jan-22</a:t>
+              <a:t>10-Sep-22</a:t>
             </a:fld>
             <a:endParaRPr lang="en-US"/>
           </a:p>
@@ -2064,7 +2069,7 @@
           <a:p>
             <a:fld id="{227C6996-5933-4EC2-8EF0-22EDBC5FBC60}" type="datetimeFigureOut">
               <a:rPr lang="en-US" smtClean="0"/>
-              <a:t>05-Jan-22</a:t>
+              <a:t>10-Sep-22</a:t>
             </a:fld>
             <a:endParaRPr lang="en-US"/>
           </a:p>
@@ -2375,7 +2380,7 @@
           <a:p>
             <a:fld id="{227C6996-5933-4EC2-8EF0-22EDBC5FBC60}" type="datetimeFigureOut">
               <a:rPr lang="en-US" smtClean="0"/>
-              <a:t>05-Jan-22</a:t>
+              <a:t>10-Sep-22</a:t>
             </a:fld>
             <a:endParaRPr lang="en-US"/>
           </a:p>
@@ -2663,7 +2668,7 @@
           <a:p>
             <a:fld id="{227C6996-5933-4EC2-8EF0-22EDBC5FBC60}" type="datetimeFigureOut">
               <a:rPr lang="en-US" smtClean="0"/>
-              <a:t>05-Jan-22</a:t>
+              <a:t>10-Sep-22</a:t>
             </a:fld>
             <a:endParaRPr lang="en-US"/>
           </a:p>
@@ -2904,7 +2909,7 @@
           <a:p>
             <a:fld id="{227C6996-5933-4EC2-8EF0-22EDBC5FBC60}" type="datetimeFigureOut">
               <a:rPr lang="en-US" smtClean="0"/>
-              <a:t>05-Jan-22</a:t>
+              <a:t>10-Sep-22</a:t>
             </a:fld>
             <a:endParaRPr lang="en-US"/>
           </a:p>
@@ -5483,7 +5488,7 @@
           <p:nvPr/>
         </p:nvPicPr>
         <p:blipFill rotWithShape="1">
-          <a:blip r:embed="rId2">
+          <a:blip r:embed="rId3">
             <a:extLst>
               <a:ext uri="{28A0092B-C50C-407E-A947-70E740481C1C}">
                 <a14:useLocalDpi xmlns:a14="http://schemas.microsoft.com/office/drawing/2010/main" val="0"/>
@@ -5778,7 +5783,7 @@
           <p:nvPr/>
         </p:nvPicPr>
         <p:blipFill rotWithShape="1">
-          <a:blip r:embed="rId3">
+          <a:blip r:embed="rId4">
             <a:extLst>
               <a:ext uri="{28A0092B-C50C-407E-A947-70E740481C1C}">
                 <a14:useLocalDpi xmlns:a14="http://schemas.microsoft.com/office/drawing/2010/main" val="0"/>
@@ -5977,7 +5982,7 @@
           <p:nvPr/>
         </p:nvPicPr>
         <p:blipFill rotWithShape="1">
-          <a:blip r:embed="rId4">
+          <a:blip r:embed="rId5">
             <a:extLst>
               <a:ext uri="{28A0092B-C50C-407E-A947-70E740481C1C}">
                 <a14:useLocalDpi xmlns:a14="http://schemas.microsoft.com/office/drawing/2010/main" val="0"/>
@@ -6416,7 +6421,7 @@
           <p:nvPr/>
         </p:nvPicPr>
         <p:blipFill rotWithShape="1">
-          <a:blip r:embed="rId5">
+          <a:blip r:embed="rId6">
             <a:extLst>
               <a:ext uri="{28A0092B-C50C-407E-A947-70E740481C1C}">
                 <a14:useLocalDpi xmlns:a14="http://schemas.microsoft.com/office/drawing/2010/main" val="0"/>
@@ -6437,6 +6442,9 @@
         </p:spPr>
       </p:pic>
     </p:spTree>
+    <p:custDataLst>
+      <p:tags r:id="rId1"/>
+    </p:custDataLst>
     <p:extLst>
       <p:ext uri="{BB962C8B-B14F-4D97-AF65-F5344CB8AC3E}">
         <p14:creationId xmlns:p14="http://schemas.microsoft.com/office/powerpoint/2010/main" val="3211878940"/>
@@ -6446,6 +6454,14 @@
   <p:clrMapOvr>
     <a:masterClrMapping/>
   </p:clrMapOvr>
+  <mc:AlternateContent xmlns:mc="http://schemas.openxmlformats.org/markup-compatibility/2006">
+    <mc:Choice xmlns:p14="http://schemas.microsoft.com/office/powerpoint/2010/main" Requires="p14">
+      <p:transition spd="slow" p14:dur="2000" advTm="10666"/>
+    </mc:Choice>
+    <mc:Fallback>
+      <p:transition spd="slow" advTm="10666"/>
+    </mc:Fallback>
+  </mc:AlternateContent>
   <p:timing>
     <p:tnLst>
       <p:par>
@@ -7380,6 +7396,12 @@
 </p:sld>
 </file>
 
+<file path=ppt/tags/tag1.xml><?xml version="1.0" encoding="utf-8"?>
+<p:tagLst xmlns:a="http://schemas.openxmlformats.org/drawingml/2006/main" xmlns:r="http://schemas.openxmlformats.org/officeDocument/2006/relationships" xmlns:p="http://schemas.openxmlformats.org/presentationml/2006/main">
+  <p:tag name="TIMING" val="|4.6"/>
+</p:tagLst>
+</file>
+
 <file path=ppt/theme/theme1.xml><?xml version="1.0" encoding="utf-8"?>
 <a:theme xmlns:a="http://schemas.openxmlformats.org/drawingml/2006/main" name="Office Theme">
   <a:themeElements>
